--- a/Climate Change Project.pptx
+++ b/Climate Change Project.pptx
@@ -823,7 +823,7 @@
   <p:cSld>
     <p:spTree>
       <p:nvGrpSpPr>
-        <p:cNvPr id="403" name="Shape 403"/>
+        <p:cNvPr id="406" name="Shape 406"/>
         <p:cNvGrpSpPr/>
         <p:nvPr/>
       </p:nvGrpSpPr>
@@ -837,7 +837,7 @@
       </p:grpSpPr>
       <p:sp>
         <p:nvSpPr>
-          <p:cNvPr id="404" name="Google Shape;404;gb4ee2b59c2_2_289:notes"/>
+          <p:cNvPr id="407" name="Google Shape;407;gb4ee2b59c2_2_289:notes"/>
           <p:cNvSpPr/>
           <p:nvPr>
             <p:ph idx="2" type="sldImg"/>
@@ -872,7 +872,7 @@
       </p:sp>
       <p:sp>
         <p:nvSpPr>
-          <p:cNvPr id="405" name="Google Shape;405;gb4ee2b59c2_2_289:notes"/>
+          <p:cNvPr id="408" name="Google Shape;408;gb4ee2b59c2_2_289:notes"/>
           <p:cNvSpPr txBox="1"/>
           <p:nvPr>
             <p:ph idx="1" type="body"/>
@@ -922,7 +922,7 @@
   <p:cSld>
     <p:spTree>
       <p:nvGrpSpPr>
-        <p:cNvPr id="409" name="Shape 409"/>
+        <p:cNvPr id="412" name="Shape 412"/>
         <p:cNvGrpSpPr/>
         <p:nvPr/>
       </p:nvGrpSpPr>
@@ -936,7 +936,7 @@
       </p:grpSpPr>
       <p:sp>
         <p:nvSpPr>
-          <p:cNvPr id="410" name="Google Shape;410;gb4ee2b59c2_2_294:notes"/>
+          <p:cNvPr id="413" name="Google Shape;413;gb4ee2b59c2_2_294:notes"/>
           <p:cNvSpPr/>
           <p:nvPr>
             <p:ph idx="2" type="sldImg"/>
@@ -971,7 +971,7 @@
       </p:sp>
       <p:sp>
         <p:nvSpPr>
-          <p:cNvPr id="411" name="Google Shape;411;gb4ee2b59c2_2_294:notes"/>
+          <p:cNvPr id="414" name="Google Shape;414;gb4ee2b59c2_2_294:notes"/>
           <p:cNvSpPr txBox="1"/>
           <p:nvPr>
             <p:ph idx="1" type="body"/>
@@ -1021,7 +1021,7 @@
   <p:cSld>
     <p:spTree>
       <p:nvGrpSpPr>
-        <p:cNvPr id="415" name="Shape 415"/>
+        <p:cNvPr id="418" name="Shape 418"/>
         <p:cNvGrpSpPr/>
         <p:nvPr/>
       </p:nvGrpSpPr>
@@ -1035,7 +1035,7 @@
       </p:grpSpPr>
       <p:sp>
         <p:nvSpPr>
-          <p:cNvPr id="416" name="Google Shape;416;gb4ee2b59c2_2_299:notes"/>
+          <p:cNvPr id="419" name="Google Shape;419;gb4ee2b59c2_2_299:notes"/>
           <p:cNvSpPr/>
           <p:nvPr>
             <p:ph idx="2" type="sldImg"/>
@@ -1070,7 +1070,7 @@
       </p:sp>
       <p:sp>
         <p:nvSpPr>
-          <p:cNvPr id="417" name="Google Shape;417;gb4ee2b59c2_2_299:notes"/>
+          <p:cNvPr id="420" name="Google Shape;420;gb4ee2b59c2_2_299:notes"/>
           <p:cNvSpPr txBox="1"/>
           <p:nvPr>
             <p:ph idx="1" type="body"/>
@@ -1813,7 +1813,7 @@
   <p:cSld>
     <p:spTree>
       <p:nvGrpSpPr>
-        <p:cNvPr id="397" name="Shape 397"/>
+        <p:cNvPr id="400" name="Shape 400"/>
         <p:cNvGrpSpPr/>
         <p:nvPr/>
       </p:nvGrpSpPr>
@@ -1827,7 +1827,7 @@
       </p:grpSpPr>
       <p:sp>
         <p:nvSpPr>
-          <p:cNvPr id="398" name="Google Shape;398;gb4ee2b59c2_2_284:notes"/>
+          <p:cNvPr id="401" name="Google Shape;401;gb4ee2b59c2_2_284:notes"/>
           <p:cNvSpPr/>
           <p:nvPr>
             <p:ph idx="2" type="sldImg"/>
@@ -1862,7 +1862,7 @@
       </p:sp>
       <p:sp>
         <p:nvSpPr>
-          <p:cNvPr id="399" name="Google Shape;399;gb4ee2b59c2_2_284:notes"/>
+          <p:cNvPr id="402" name="Google Shape;402;gb4ee2b59c2_2_284:notes"/>
           <p:cNvSpPr txBox="1"/>
           <p:nvPr>
             <p:ph idx="1" type="body"/>
@@ -22971,7 +22971,7 @@
   <p:cSld>
     <p:spTree>
       <p:nvGrpSpPr>
-        <p:cNvPr id="406" name="Shape 406"/>
+        <p:cNvPr id="409" name="Shape 409"/>
         <p:cNvGrpSpPr/>
         <p:nvPr/>
       </p:nvGrpSpPr>
@@ -22985,7 +22985,7 @@
       </p:grpSpPr>
       <p:sp>
         <p:nvSpPr>
-          <p:cNvPr id="407" name="Google Shape;407;p34"/>
+          <p:cNvPr id="410" name="Google Shape;410;p34"/>
           <p:cNvSpPr txBox="1"/>
           <p:nvPr>
             <p:ph type="title"/>
@@ -23025,7 +23025,7 @@
       </p:sp>
       <p:pic>
         <p:nvPicPr>
-          <p:cNvPr id="408" name="Google Shape;408;p34"/>
+          <p:cNvPr id="411" name="Google Shape;411;p34"/>
           <p:cNvPicPr preferRelativeResize="0"/>
           <p:nvPr/>
         </p:nvPicPr>
@@ -23064,7 +23064,7 @@
   <p:cSld>
     <p:spTree>
       <p:nvGrpSpPr>
-        <p:cNvPr id="412" name="Shape 412"/>
+        <p:cNvPr id="415" name="Shape 415"/>
         <p:cNvGrpSpPr/>
         <p:nvPr/>
       </p:nvGrpSpPr>
@@ -23078,7 +23078,7 @@
       </p:grpSpPr>
       <p:sp>
         <p:nvSpPr>
-          <p:cNvPr id="413" name="Google Shape;413;p35"/>
+          <p:cNvPr id="416" name="Google Shape;416;p35"/>
           <p:cNvSpPr txBox="1"/>
           <p:nvPr>
             <p:ph type="title"/>
@@ -23118,7 +23118,7 @@
       </p:sp>
       <p:pic>
         <p:nvPicPr>
-          <p:cNvPr id="414" name="Google Shape;414;p35"/>
+          <p:cNvPr id="417" name="Google Shape;417;p35"/>
           <p:cNvPicPr preferRelativeResize="0"/>
           <p:nvPr/>
         </p:nvPicPr>
@@ -23157,7 +23157,7 @@
   <p:cSld>
     <p:spTree>
       <p:nvGrpSpPr>
-        <p:cNvPr id="418" name="Shape 418"/>
+        <p:cNvPr id="421" name="Shape 421"/>
         <p:cNvGrpSpPr/>
         <p:nvPr/>
       </p:nvGrpSpPr>
@@ -23171,7 +23171,7 @@
       </p:grpSpPr>
       <p:sp>
         <p:nvSpPr>
-          <p:cNvPr id="419" name="Google Shape;419;p36"/>
+          <p:cNvPr id="422" name="Google Shape;422;p36"/>
           <p:cNvSpPr txBox="1"/>
           <p:nvPr>
             <p:ph type="title"/>
@@ -23211,7 +23211,7 @@
       </p:sp>
       <p:pic>
         <p:nvPicPr>
-          <p:cNvPr id="420" name="Google Shape;420;p36"/>
+          <p:cNvPr id="423" name="Google Shape;423;p36"/>
           <p:cNvPicPr preferRelativeResize="0"/>
           <p:nvPr/>
         </p:nvPicPr>
@@ -23659,7 +23659,7 @@
                 <a:spcPts val="1800"/>
               </a:spcBef>
               <a:spcAft>
-                <a:spcPts val="1200"/>
+                <a:spcPts val="0"/>
               </a:spcAft>
               <a:buNone/>
             </a:pPr>
@@ -23673,9 +23673,87 @@
                 <a:cs typeface="Arial"/>
                 <a:sym typeface="Arial"/>
               </a:rPr>
-              <a:t>How does GDP rates respond to temperature?</a:t>
+              <a:t>How does GDP rates respond to temperature? </a:t>
             </a:r>
-            <a:endParaRPr u="sng"/>
+            <a:endParaRPr sz="1700" u="sng">
+              <a:solidFill>
+                <a:srgbClr val="24292E"/>
+              </a:solidFill>
+              <a:latin typeface="Arial"/>
+              <a:ea typeface="Arial"/>
+              <a:cs typeface="Arial"/>
+              <a:sym typeface="Arial"/>
+            </a:endParaRPr>
+          </a:p>
+          <a:p>
+            <a:pPr indent="0" lvl="0" marL="0" rtl="0" algn="ctr">
+              <a:lnSpc>
+                <a:spcPct val="125000"/>
+              </a:lnSpc>
+              <a:spcBef>
+                <a:spcPts val="1800"/>
+              </a:spcBef>
+              <a:spcAft>
+                <a:spcPts val="0"/>
+              </a:spcAft>
+              <a:buNone/>
+            </a:pPr>
+            <a:r>
+              <a:rPr lang="en" sz="1700" u="sng">
+                <a:solidFill>
+                  <a:srgbClr val="24292E"/>
+                </a:solidFill>
+                <a:latin typeface="Arial"/>
+                <a:ea typeface="Arial"/>
+                <a:cs typeface="Arial"/>
+                <a:sym typeface="Arial"/>
+              </a:rPr>
+              <a:t>Can a country have increase in GDP without increase in CO2 levels? </a:t>
+            </a:r>
+            <a:endParaRPr sz="1700" u="sng">
+              <a:solidFill>
+                <a:srgbClr val="24292E"/>
+              </a:solidFill>
+              <a:latin typeface="Arial"/>
+              <a:ea typeface="Arial"/>
+              <a:cs typeface="Arial"/>
+              <a:sym typeface="Arial"/>
+            </a:endParaRPr>
+          </a:p>
+          <a:p>
+            <a:pPr indent="0" lvl="0" marL="0" rtl="0" algn="ctr">
+              <a:lnSpc>
+                <a:spcPct val="125000"/>
+              </a:lnSpc>
+              <a:spcBef>
+                <a:spcPts val="1800"/>
+              </a:spcBef>
+              <a:spcAft>
+                <a:spcPts val="1200"/>
+              </a:spcAft>
+              <a:buNone/>
+            </a:pPr>
+            <a:r>
+              <a:rPr lang="en" sz="1700" u="sng">
+                <a:solidFill>
+                  <a:srgbClr val="24292E"/>
+                </a:solidFill>
+                <a:latin typeface="Arial"/>
+                <a:ea typeface="Arial"/>
+                <a:cs typeface="Arial"/>
+                <a:sym typeface="Arial"/>
+              </a:rPr>
+              <a:t>Which types of CO2 levels respond to an increase in GDP? </a:t>
+            </a:r>
+            <a:endParaRPr sz="1700" u="sng">
+              <a:solidFill>
+                <a:srgbClr val="24292E"/>
+              </a:solidFill>
+              <a:latin typeface="Arial"/>
+              <a:ea typeface="Arial"/>
+              <a:cs typeface="Arial"/>
+              <a:sym typeface="Arial"/>
+            </a:endParaRPr>
           </a:p>
         </p:txBody>
       </p:sp>
@@ -24396,8 +24474,8 @@
         </p:blipFill>
         <p:spPr>
           <a:xfrm>
-            <a:off x="1137075" y="1750275"/>
-            <a:ext cx="7435425" cy="2068200"/>
+            <a:off x="150700" y="1248000"/>
+            <a:ext cx="8579211" cy="3240825"/>
           </a:xfrm>
           <a:prstGeom prst="rect">
             <a:avLst/>
@@ -24408,6 +24486,138 @@
           </a:ln>
         </p:spPr>
       </p:pic>
+      <p:sp>
+        <p:nvSpPr>
+          <p:cNvPr id="397" name="Google Shape;397;p32"/>
+          <p:cNvSpPr txBox="1"/>
+          <p:nvPr/>
+        </p:nvSpPr>
+        <p:spPr>
+          <a:xfrm>
+            <a:off x="4572000" y="3757125"/>
+            <a:ext cx="5786400" cy="675000"/>
+          </a:xfrm>
+          <a:prstGeom prst="rect">
+            <a:avLst/>
+          </a:prstGeom>
+          <a:noFill/>
+          <a:ln>
+            <a:noFill/>
+          </a:ln>
+        </p:spPr>
+        <p:txBody>
+          <a:bodyPr anchorCtr="0" anchor="t" bIns="91425" lIns="91425" spcFirstLastPara="1" rIns="91425" wrap="square" tIns="91425">
+            <a:noAutofit/>
+          </a:bodyPr>
+          <a:lstStyle/>
+          <a:p>
+            <a:pPr indent="0" lvl="0" marL="0" rtl="0" algn="l">
+              <a:spcBef>
+                <a:spcPts val="0"/>
+              </a:spcBef>
+              <a:spcAft>
+                <a:spcPts val="0"/>
+              </a:spcAft>
+              <a:buNone/>
+            </a:pPr>
+            <a:r>
+              <a:t/>
+            </a:r>
+            <a:endParaRPr>
+              <a:latin typeface="Nunito"/>
+              <a:ea typeface="Nunito"/>
+              <a:cs typeface="Nunito"/>
+              <a:sym typeface="Nunito"/>
+            </a:endParaRPr>
+          </a:p>
+        </p:txBody>
+      </p:sp>
+      <p:sp>
+        <p:nvSpPr>
+          <p:cNvPr id="398" name="Google Shape;398;p32"/>
+          <p:cNvSpPr txBox="1"/>
+          <p:nvPr/>
+        </p:nvSpPr>
+        <p:spPr>
+          <a:xfrm>
+            <a:off x="3981725" y="3566275"/>
+            <a:ext cx="1479600" cy="420900"/>
+          </a:xfrm>
+          <a:prstGeom prst="rect">
+            <a:avLst/>
+          </a:prstGeom>
+          <a:solidFill>
+            <a:schemeClr val="lt1"/>
+          </a:solidFill>
+          <a:ln>
+            <a:noFill/>
+          </a:ln>
+        </p:spPr>
+        <p:txBody>
+          <a:bodyPr anchorCtr="0" anchor="t" bIns="91425" lIns="91425" spcFirstLastPara="1" rIns="91425" wrap="square" tIns="91425">
+            <a:noAutofit/>
+          </a:bodyPr>
+          <a:lstStyle/>
+          <a:p>
+            <a:pPr indent="0" lvl="0" marL="0" rtl="0" algn="l">
+              <a:spcBef>
+                <a:spcPts val="0"/>
+              </a:spcBef>
+              <a:spcAft>
+                <a:spcPts val="0"/>
+              </a:spcAft>
+              <a:buNone/>
+            </a:pPr>
+            <a:r>
+              <a:rPr lang="en" sz="1100">
+                <a:solidFill>
+                  <a:srgbClr val="999999"/>
+                </a:solidFill>
+                <a:latin typeface="Nunito"/>
+                <a:ea typeface="Nunito"/>
+                <a:cs typeface="Nunito"/>
+                <a:sym typeface="Nunito"/>
+              </a:rPr>
+              <a:t>CO2 Per GDP </a:t>
+            </a:r>
+            <a:endParaRPr sz="1100">
+              <a:solidFill>
+                <a:srgbClr val="999999"/>
+              </a:solidFill>
+              <a:latin typeface="Nunito"/>
+              <a:ea typeface="Nunito"/>
+              <a:cs typeface="Nunito"/>
+              <a:sym typeface="Nunito"/>
+            </a:endParaRPr>
+          </a:p>
+        </p:txBody>
+      </p:sp>
+      <p:cxnSp>
+        <p:nvCxnSpPr>
+          <p:cNvPr id="399" name="Google Shape;399;p32"/>
+          <p:cNvCxnSpPr/>
+          <p:nvPr/>
+        </p:nvCxnSpPr>
+        <p:spPr>
+          <a:xfrm flipH="1" rot="10800000">
+            <a:off x="4460375" y="3566275"/>
+            <a:ext cx="522300" cy="20100"/>
+          </a:xfrm>
+          <a:prstGeom prst="straightConnector1">
+            <a:avLst/>
+          </a:prstGeom>
+          <a:noFill/>
+          <a:ln cap="flat" cmpd="sng" w="114300">
+            <a:solidFill>
+              <a:srgbClr val="FFFFFF"/>
+            </a:solidFill>
+            <a:prstDash val="solid"/>
+            <a:round/>
+            <a:headEnd len="med" w="med" type="none"/>
+            <a:tailEnd len="med" w="med" type="none"/>
+          </a:ln>
+        </p:spPr>
+      </p:cxnSp>
     </p:spTree>
   </p:cSld>
   <p:clrMapOvr>
@@ -24421,7 +24631,7 @@
   <p:cSld>
     <p:spTree>
       <p:nvGrpSpPr>
-        <p:cNvPr id="400" name="Shape 400"/>
+        <p:cNvPr id="403" name="Shape 403"/>
         <p:cNvGrpSpPr/>
         <p:nvPr/>
       </p:nvGrpSpPr>
@@ -24435,7 +24645,7 @@
       </p:grpSpPr>
       <p:sp>
         <p:nvSpPr>
-          <p:cNvPr id="401" name="Google Shape;401;p33"/>
+          <p:cNvPr id="404" name="Google Shape;404;p33"/>
           <p:cNvSpPr txBox="1"/>
           <p:nvPr>
             <p:ph type="title"/>
@@ -24475,7 +24685,7 @@
       </p:sp>
       <p:pic>
         <p:nvPicPr>
-          <p:cNvPr id="402" name="Google Shape;402;p33"/>
+          <p:cNvPr id="405" name="Google Shape;405;p33"/>
           <p:cNvPicPr preferRelativeResize="0"/>
           <p:nvPr/>
         </p:nvPicPr>
